--- a/Presentation.pptx
+++ b/Presentation.pptx
@@ -8083,7 +8083,7 @@
         </p:nvSpPr>
         <p:spPr>
           <a:xfrm>
-            <a:off x="500034" y="2357430"/>
+            <a:off x="500034" y="1285860"/>
             <a:ext cx="7851648" cy="1828800"/>
           </a:xfrm>
         </p:spPr>
@@ -8128,11 +8128,52 @@
             <p:ph type="subTitle" idx="1"/>
           </p:nvPr>
         </p:nvSpPr>
-        <p:spPr/>
-        <p:txBody>
-          <a:bodyPr/>
-          <a:lstStyle/>
-          <a:p>
+        <p:spPr>
+          <a:xfrm>
+            <a:off x="642910" y="3714752"/>
+            <a:ext cx="7854696" cy="2324104"/>
+          </a:xfrm>
+        </p:spPr>
+        <p:txBody>
+          <a:bodyPr>
+            <a:normAutofit fontScale="92500" lnSpcReduction="20000"/>
+          </a:bodyPr>
+          <a:lstStyle/>
+          <a:p>
+            <a:r>
+              <a:rPr lang="ro-RO" b="1" dirty="0" smtClean="0"/>
+              <a:t>Autori:</a:t>
+            </a:r>
+          </a:p>
+          <a:p>
+            <a:r>
+              <a:rPr lang="ro-RO" dirty="0" smtClean="0"/>
+              <a:t>Cireș Alexandru</a:t>
+            </a:r>
+          </a:p>
+          <a:p>
+            <a:r>
+              <a:rPr lang="ro-RO" dirty="0" smtClean="0"/>
+              <a:t>Cosmin Florean</a:t>
+            </a:r>
+          </a:p>
+          <a:p>
+            <a:r>
+              <a:rPr lang="ro-RO" dirty="0" smtClean="0"/>
+              <a:t>Marius Hrișcă</a:t>
+            </a:r>
+          </a:p>
+          <a:p>
+            <a:r>
+              <a:rPr lang="ro-RO" dirty="0" smtClean="0"/>
+              <a:t>Mihai Gliga</a:t>
+            </a:r>
+          </a:p>
+          <a:p>
+            <a:r>
+              <a:rPr lang="ro-RO" dirty="0" smtClean="0"/>
+              <a:t>Călin Ciubotariu</a:t>
+            </a:r>
             <a:endParaRPr lang="ro-RO" dirty="0"/>
           </a:p>
         </p:txBody>
